--- a/tests/demo_ms_powerpoint3.pptx
+++ b/tests/demo_ms_powerpoint3.pptx
@@ -10,6 +10,7 @@
     <p:sldId id="260" r:id="rId4"/>
     <p:sldId id="258" r:id="rId5"/>
     <p:sldId id="259" r:id="rId6"/>
+    <p:sldId id="261" r:id="rId7"/>
   </p:sldIdLst>
   <p:sldSz cx="9144000" cy="6858000" type="screen4x3"/>
   <p:notesSz cx="6858000" cy="9144000"/>
@@ -2523,9 +2524,9 @@
               <a:pPr>
                 <a:defRPr/>
               </a:pPr>
-              <a:t>05/01/2022</a:t>
+              <a:t>06/01/2022</a:t>
             </a:fld>
-            <a:endParaRPr lang="fr-FR"/>
+            <a:endParaRPr lang="fr-FR" dirty="0"/>
           </a:p>
         </p:txBody>
       </p:sp>
@@ -2547,7 +2548,7 @@
             <a:pPr>
               <a:defRPr/>
             </a:pPr>
-            <a:endParaRPr lang="fr-FR"/>
+            <a:endParaRPr lang="fr-FR" dirty="0"/>
           </a:p>
         </p:txBody>
       </p:sp>
@@ -2576,7 +2577,7 @@
               </a:pPr>
               <a:t>‹N°›</a:t>
             </a:fld>
-            <a:endParaRPr lang="fr-FR"/>
+            <a:endParaRPr lang="fr-FR" dirty="0"/>
           </a:p>
         </p:txBody>
       </p:sp>
@@ -2718,7 +2719,7 @@
           </a:lstStyle>
           <a:p>
             <a:r>
-              <a:rPr lang="fr-FR"/>
+              <a:rPr lang="fr-FR" dirty="0"/>
               <a:t>Cliquez sur l'icône pour ajouter une image</a:t>
             </a:r>
             <a:endParaRPr lang="en-US" dirty="0"/>
@@ -2804,9 +2805,9 @@
               <a:pPr>
                 <a:defRPr/>
               </a:pPr>
-              <a:t>05/01/2022</a:t>
+              <a:t>06/01/2022</a:t>
             </a:fld>
-            <a:endParaRPr lang="fr-FR"/>
+            <a:endParaRPr lang="fr-FR" dirty="0"/>
           </a:p>
         </p:txBody>
       </p:sp>
@@ -2828,7 +2829,7 @@
             <a:pPr>
               <a:defRPr/>
             </a:pPr>
-            <a:endParaRPr lang="fr-FR"/>
+            <a:endParaRPr lang="fr-FR" dirty="0"/>
           </a:p>
         </p:txBody>
       </p:sp>
@@ -2857,7 +2858,7 @@
               </a:pPr>
               <a:t>‹N°›</a:t>
             </a:fld>
-            <a:endParaRPr lang="fr-FR"/>
+            <a:endParaRPr lang="fr-FR" dirty="0"/>
           </a:p>
         </p:txBody>
       </p:sp>
@@ -3067,9 +3068,9 @@
               <a:pPr>
                 <a:defRPr/>
               </a:pPr>
-              <a:t>05/01/2022</a:t>
+              <a:t>06/01/2022</a:t>
             </a:fld>
-            <a:endParaRPr lang="fr-FR"/>
+            <a:endParaRPr lang="fr-FR" dirty="0"/>
           </a:p>
         </p:txBody>
       </p:sp>
@@ -3091,7 +3092,7 @@
             <a:pPr>
               <a:defRPr/>
             </a:pPr>
-            <a:endParaRPr lang="fr-FR"/>
+            <a:endParaRPr lang="fr-FR" dirty="0"/>
           </a:p>
         </p:txBody>
       </p:sp>
@@ -3120,7 +3121,7 @@
               </a:pPr>
               <a:t>‹N°›</a:t>
             </a:fld>
-            <a:endParaRPr lang="fr-FR"/>
+            <a:endParaRPr lang="fr-FR" dirty="0"/>
           </a:p>
         </p:txBody>
       </p:sp>
@@ -3388,9 +3389,9 @@
               <a:pPr>
                 <a:defRPr/>
               </a:pPr>
-              <a:t>05/01/2022</a:t>
+              <a:t>06/01/2022</a:t>
             </a:fld>
-            <a:endParaRPr lang="fr-FR"/>
+            <a:endParaRPr lang="fr-FR" dirty="0"/>
           </a:p>
         </p:txBody>
       </p:sp>
@@ -3412,7 +3413,7 @@
             <a:pPr>
               <a:defRPr/>
             </a:pPr>
-            <a:endParaRPr lang="fr-FR"/>
+            <a:endParaRPr lang="fr-FR" dirty="0"/>
           </a:p>
         </p:txBody>
       </p:sp>
@@ -3441,7 +3442,7 @@
               </a:pPr>
               <a:t>‹N°›</a:t>
             </a:fld>
-            <a:endParaRPr lang="fr-FR"/>
+            <a:endParaRPr lang="fr-FR" dirty="0"/>
           </a:p>
         </p:txBody>
       </p:sp>
@@ -3719,9 +3720,9 @@
               <a:pPr>
                 <a:defRPr/>
               </a:pPr>
-              <a:t>05/01/2022</a:t>
+              <a:t>06/01/2022</a:t>
             </a:fld>
-            <a:endParaRPr lang="fr-FR"/>
+            <a:endParaRPr lang="fr-FR" dirty="0"/>
           </a:p>
         </p:txBody>
       </p:sp>
@@ -3743,7 +3744,7 @@
             <a:pPr>
               <a:defRPr/>
             </a:pPr>
-            <a:endParaRPr lang="fr-FR"/>
+            <a:endParaRPr lang="fr-FR" dirty="0"/>
           </a:p>
         </p:txBody>
       </p:sp>
@@ -3772,7 +3773,7 @@
               </a:pPr>
               <a:t>‹N°›</a:t>
             </a:fld>
-            <a:endParaRPr lang="fr-FR"/>
+            <a:endParaRPr lang="fr-FR" dirty="0"/>
           </a:p>
         </p:txBody>
       </p:sp>
@@ -4034,9 +4035,9 @@
               <a:pPr>
                 <a:defRPr/>
               </a:pPr>
-              <a:t>05/01/2022</a:t>
+              <a:t>06/01/2022</a:t>
             </a:fld>
-            <a:endParaRPr lang="fr-FR"/>
+            <a:endParaRPr lang="fr-FR" dirty="0"/>
           </a:p>
         </p:txBody>
       </p:sp>
@@ -4058,7 +4059,7 @@
             <a:pPr>
               <a:defRPr/>
             </a:pPr>
-            <a:endParaRPr lang="fr-FR"/>
+            <a:endParaRPr lang="fr-FR" dirty="0"/>
           </a:p>
         </p:txBody>
       </p:sp>
@@ -4087,7 +4088,7 @@
               </a:pPr>
               <a:t>‹N°›</a:t>
             </a:fld>
-            <a:endParaRPr lang="fr-FR"/>
+            <a:endParaRPr lang="fr-FR" dirty="0"/>
           </a:p>
         </p:txBody>
       </p:sp>
@@ -4414,9 +4415,9 @@
               <a:pPr>
                 <a:defRPr/>
               </a:pPr>
-              <a:t>05/01/2022</a:t>
+              <a:t>06/01/2022</a:t>
             </a:fld>
-            <a:endParaRPr lang="fr-FR"/>
+            <a:endParaRPr lang="fr-FR" dirty="0"/>
           </a:p>
         </p:txBody>
       </p:sp>
@@ -4438,7 +4439,7 @@
             <a:pPr>
               <a:defRPr/>
             </a:pPr>
-            <a:endParaRPr lang="fr-FR"/>
+            <a:endParaRPr lang="fr-FR" dirty="0"/>
           </a:p>
         </p:txBody>
       </p:sp>
@@ -4467,7 +4468,7 @@
               </a:pPr>
               <a:t>‹N°›</a:t>
             </a:fld>
-            <a:endParaRPr lang="fr-FR"/>
+            <a:endParaRPr lang="fr-FR" dirty="0"/>
           </a:p>
         </p:txBody>
       </p:sp>
@@ -4615,9 +4616,9 @@
               <a:pPr>
                 <a:defRPr/>
               </a:pPr>
-              <a:t>05/01/2022</a:t>
+              <a:t>06/01/2022</a:t>
             </a:fld>
-            <a:endParaRPr lang="fr-FR"/>
+            <a:endParaRPr lang="fr-FR" dirty="0"/>
           </a:p>
         </p:txBody>
       </p:sp>
@@ -4639,7 +4640,7 @@
             <a:pPr>
               <a:defRPr/>
             </a:pPr>
-            <a:endParaRPr lang="fr-FR"/>
+            <a:endParaRPr lang="fr-FR" dirty="0"/>
           </a:p>
         </p:txBody>
       </p:sp>
@@ -4668,7 +4669,7 @@
               </a:pPr>
               <a:t>‹N°›</a:t>
             </a:fld>
-            <a:endParaRPr lang="fr-FR"/>
+            <a:endParaRPr lang="fr-FR" dirty="0"/>
           </a:p>
         </p:txBody>
       </p:sp>
@@ -4816,9 +4817,9 @@
               <a:pPr>
                 <a:defRPr/>
               </a:pPr>
-              <a:t>05/01/2022</a:t>
+              <a:t>06/01/2022</a:t>
             </a:fld>
-            <a:endParaRPr lang="fr-FR"/>
+            <a:endParaRPr lang="fr-FR" dirty="0"/>
           </a:p>
         </p:txBody>
       </p:sp>
@@ -4840,7 +4841,7 @@
             <a:pPr>
               <a:defRPr/>
             </a:pPr>
-            <a:endParaRPr lang="fr-FR"/>
+            <a:endParaRPr lang="fr-FR" dirty="0"/>
           </a:p>
         </p:txBody>
       </p:sp>
@@ -4869,7 +4870,7 @@
               </a:pPr>
               <a:t>‹N°›</a:t>
             </a:fld>
-            <a:endParaRPr lang="fr-FR"/>
+            <a:endParaRPr lang="fr-FR" dirty="0"/>
           </a:p>
         </p:txBody>
       </p:sp>
@@ -5011,9 +5012,9 @@
               <a:pPr>
                 <a:defRPr/>
               </a:pPr>
-              <a:t>05/01/2022</a:t>
+              <a:t>06/01/2022</a:t>
             </a:fld>
-            <a:endParaRPr lang="fr-FR"/>
+            <a:endParaRPr lang="fr-FR" dirty="0"/>
           </a:p>
         </p:txBody>
       </p:sp>
@@ -5035,7 +5036,7 @@
             <a:pPr>
               <a:defRPr/>
             </a:pPr>
-            <a:endParaRPr lang="fr-FR"/>
+            <a:endParaRPr lang="fr-FR" dirty="0"/>
           </a:p>
         </p:txBody>
       </p:sp>
@@ -5064,7 +5065,7 @@
               </a:pPr>
               <a:t>‹N°›</a:t>
             </a:fld>
-            <a:endParaRPr lang="fr-FR"/>
+            <a:endParaRPr lang="fr-FR" dirty="0"/>
           </a:p>
         </p:txBody>
       </p:sp>
@@ -5274,9 +5275,9 @@
               <a:pPr>
                 <a:defRPr/>
               </a:pPr>
-              <a:t>05/01/2022</a:t>
+              <a:t>06/01/2022</a:t>
             </a:fld>
-            <a:endParaRPr lang="fr-FR"/>
+            <a:endParaRPr lang="fr-FR" dirty="0"/>
           </a:p>
         </p:txBody>
       </p:sp>
@@ -5298,7 +5299,7 @@
             <a:pPr>
               <a:defRPr/>
             </a:pPr>
-            <a:endParaRPr lang="fr-FR"/>
+            <a:endParaRPr lang="fr-FR" dirty="0"/>
           </a:p>
         </p:txBody>
       </p:sp>
@@ -5327,7 +5328,7 @@
               </a:pPr>
               <a:t>‹N°›</a:t>
             </a:fld>
-            <a:endParaRPr lang="fr-FR"/>
+            <a:endParaRPr lang="fr-FR" dirty="0"/>
           </a:p>
         </p:txBody>
       </p:sp>
@@ -5536,9 +5537,9 @@
               <a:pPr>
                 <a:defRPr/>
               </a:pPr>
-              <a:t>05/01/2022</a:t>
+              <a:t>06/01/2022</a:t>
             </a:fld>
-            <a:endParaRPr lang="fr-FR"/>
+            <a:endParaRPr lang="fr-FR" dirty="0"/>
           </a:p>
         </p:txBody>
       </p:sp>
@@ -5560,7 +5561,7 @@
             <a:pPr>
               <a:defRPr/>
             </a:pPr>
-            <a:endParaRPr lang="fr-FR"/>
+            <a:endParaRPr lang="fr-FR" dirty="0"/>
           </a:p>
         </p:txBody>
       </p:sp>
@@ -5589,7 +5590,7 @@
               </a:pPr>
               <a:t>‹N°›</a:t>
             </a:fld>
-            <a:endParaRPr lang="fr-FR"/>
+            <a:endParaRPr lang="fr-FR" dirty="0"/>
           </a:p>
         </p:txBody>
       </p:sp>
@@ -5940,9 +5941,9 @@
               <a:pPr>
                 <a:defRPr/>
               </a:pPr>
-              <a:t>05/01/2022</a:t>
+              <a:t>06/01/2022</a:t>
             </a:fld>
-            <a:endParaRPr lang="fr-FR"/>
+            <a:endParaRPr lang="fr-FR" dirty="0"/>
           </a:p>
         </p:txBody>
       </p:sp>
@@ -5964,7 +5965,7 @@
             <a:pPr>
               <a:defRPr/>
             </a:pPr>
-            <a:endParaRPr lang="fr-FR"/>
+            <a:endParaRPr lang="fr-FR" dirty="0"/>
           </a:p>
         </p:txBody>
       </p:sp>
@@ -5993,7 +5994,7 @@
               </a:pPr>
               <a:t>‹N°›</a:t>
             </a:fld>
-            <a:endParaRPr lang="fr-FR"/>
+            <a:endParaRPr lang="fr-FR" dirty="0"/>
           </a:p>
         </p:txBody>
       </p:sp>
@@ -6084,9 +6085,9 @@
               <a:pPr>
                 <a:defRPr/>
               </a:pPr>
-              <a:t>05/01/2022</a:t>
+              <a:t>06/01/2022</a:t>
             </a:fld>
-            <a:endParaRPr lang="fr-FR"/>
+            <a:endParaRPr lang="fr-FR" dirty="0"/>
           </a:p>
         </p:txBody>
       </p:sp>
@@ -6108,7 +6109,7 @@
             <a:pPr>
               <a:defRPr/>
             </a:pPr>
-            <a:endParaRPr lang="fr-FR"/>
+            <a:endParaRPr lang="fr-FR" dirty="0"/>
           </a:p>
         </p:txBody>
       </p:sp>
@@ -6137,7 +6138,7 @@
               </a:pPr>
               <a:t>‹N°›</a:t>
             </a:fld>
-            <a:endParaRPr lang="fr-FR"/>
+            <a:endParaRPr lang="fr-FR" dirty="0"/>
           </a:p>
         </p:txBody>
       </p:sp>
@@ -6194,9 +6195,9 @@
               <a:pPr>
                 <a:defRPr/>
               </a:pPr>
-              <a:t>05/01/2022</a:t>
+              <a:t>06/01/2022</a:t>
             </a:fld>
-            <a:endParaRPr lang="fr-FR"/>
+            <a:endParaRPr lang="fr-FR" dirty="0"/>
           </a:p>
         </p:txBody>
       </p:sp>
@@ -6218,7 +6219,7 @@
             <a:pPr>
               <a:defRPr/>
             </a:pPr>
-            <a:endParaRPr lang="fr-FR"/>
+            <a:endParaRPr lang="fr-FR" dirty="0"/>
           </a:p>
         </p:txBody>
       </p:sp>
@@ -6247,7 +6248,7 @@
               </a:pPr>
               <a:t>‹N°›</a:t>
             </a:fld>
-            <a:endParaRPr lang="fr-FR"/>
+            <a:endParaRPr lang="fr-FR" dirty="0"/>
           </a:p>
         </p:txBody>
       </p:sp>
@@ -6464,9 +6465,9 @@
               <a:pPr>
                 <a:defRPr/>
               </a:pPr>
-              <a:t>05/01/2022</a:t>
+              <a:t>06/01/2022</a:t>
             </a:fld>
-            <a:endParaRPr lang="fr-FR"/>
+            <a:endParaRPr lang="fr-FR" dirty="0"/>
           </a:p>
         </p:txBody>
       </p:sp>
@@ -6488,7 +6489,7 @@
             <a:pPr>
               <a:defRPr/>
             </a:pPr>
-            <a:endParaRPr lang="fr-FR"/>
+            <a:endParaRPr lang="fr-FR" dirty="0"/>
           </a:p>
         </p:txBody>
       </p:sp>
@@ -6517,7 +6518,7 @@
               </a:pPr>
               <a:t>‹N°›</a:t>
             </a:fld>
-            <a:endParaRPr lang="fr-FR"/>
+            <a:endParaRPr lang="fr-FR" dirty="0"/>
           </a:p>
         </p:txBody>
       </p:sp>
@@ -6665,7 +6666,7 @@
           </a:lstStyle>
           <a:p>
             <a:r>
-              <a:rPr lang="fr-FR"/>
+              <a:rPr lang="fr-FR" dirty="0"/>
               <a:t>Cliquez sur l'icône pour ajouter une image</a:t>
             </a:r>
             <a:endParaRPr lang="en-US" dirty="0"/>
@@ -6762,9 +6763,9 @@
               <a:pPr>
                 <a:defRPr/>
               </a:pPr>
-              <a:t>05/01/2022</a:t>
+              <a:t>06/01/2022</a:t>
             </a:fld>
-            <a:endParaRPr lang="fr-FR"/>
+            <a:endParaRPr lang="fr-FR" dirty="0"/>
           </a:p>
         </p:txBody>
       </p:sp>
@@ -6791,7 +6792,7 @@
             <a:pPr>
               <a:defRPr/>
             </a:pPr>
-            <a:endParaRPr lang="fr-FR"/>
+            <a:endParaRPr lang="fr-FR" dirty="0"/>
           </a:p>
         </p:txBody>
       </p:sp>
@@ -6820,7 +6821,7 @@
               </a:pPr>
               <a:t>‹N°›</a:t>
             </a:fld>
-            <a:endParaRPr lang="fr-FR"/>
+            <a:endParaRPr lang="fr-FR" dirty="0"/>
           </a:p>
         </p:txBody>
       </p:sp>
@@ -7188,9 +7189,9 @@
               <a:pPr>
                 <a:defRPr/>
               </a:pPr>
-              <a:t>05/01/2022</a:t>
+              <a:t>06/01/2022</a:t>
             </a:fld>
-            <a:endParaRPr lang="fr-FR"/>
+            <a:endParaRPr lang="fr-FR" dirty="0"/>
           </a:p>
         </p:txBody>
       </p:sp>
@@ -7232,7 +7233,7 @@
             <a:pPr>
               <a:defRPr/>
             </a:pPr>
-            <a:endParaRPr lang="fr-FR"/>
+            <a:endParaRPr lang="fr-FR" dirty="0"/>
           </a:p>
         </p:txBody>
       </p:sp>
@@ -7281,7 +7282,7 @@
               </a:pPr>
               <a:t>‹N°›</a:t>
             </a:fld>
-            <a:endParaRPr lang="fr-FR"/>
+            <a:endParaRPr lang="fr-FR" dirty="0"/>
           </a:p>
         </p:txBody>
       </p:sp>
@@ -7948,10 +7949,9 @@
           <a:lstStyle/>
           <a:p>
             <a:r>
-              <a:rPr lang="fr-FR" dirty="0" err="1"/>
+              <a:rPr lang="fr-FR" dirty="0"/>
               <a:t>aaaa</a:t>
             </a:r>
-            <a:endParaRPr lang="fr-FR" dirty="0"/>
           </a:p>
         </p:txBody>
       </p:sp>
@@ -7977,10 +7977,9 @@
           <a:lstStyle/>
           <a:p>
             <a:r>
-              <a:rPr lang="fr-FR" dirty="0" err="1"/>
+              <a:rPr lang="fr-FR" dirty="0"/>
               <a:t>aaa</a:t>
             </a:r>
-            <a:endParaRPr lang="fr-FR" dirty="0"/>
           </a:p>
         </p:txBody>
       </p:sp>
@@ -8005,7 +8004,7 @@
           <a:bodyPr/>
           <a:lstStyle/>
           <a:p>
-            <a:endParaRPr lang="fr-FR"/>
+            <a:endParaRPr lang="fr-FR" dirty="0"/>
           </a:p>
         </p:txBody>
       </p:sp>
@@ -8031,10 +8030,9 @@
           <a:lstStyle/>
           <a:p>
             <a:r>
-              <a:rPr lang="fr-FR" dirty="0" err="1"/>
+              <a:rPr lang="fr-FR" dirty="0"/>
               <a:t>aaa</a:t>
             </a:r>
-            <a:endParaRPr lang="fr-FR" dirty="0"/>
           </a:p>
         </p:txBody>
       </p:sp>
@@ -8059,7 +8057,7 @@
           <a:bodyPr/>
           <a:lstStyle/>
           <a:p>
-            <a:endParaRPr lang="fr-FR"/>
+            <a:endParaRPr lang="fr-FR" dirty="0"/>
           </a:p>
         </p:txBody>
       </p:sp>
@@ -8227,6 +8225,346 @@
     <p:extLst>
       <p:ext uri="{BB962C8B-B14F-4D97-AF65-F5344CB8AC3E}">
         <p14:creationId xmlns:p14="http://schemas.microsoft.com/office/powerpoint/2010/main" val="275709240"/>
+      </p:ext>
+    </p:extLst>
+  </p:cSld>
+  <p:clrMapOvr>
+    <a:masterClrMapping/>
+  </p:clrMapOvr>
+</p:sld>
+</file>
+
+<file path=ppt/slides/slide6.xml><?xml version="1.0" encoding="utf-8"?>
+<p:sld xmlns:a="http://schemas.openxmlformats.org/drawingml/2006/main" xmlns:r="http://schemas.openxmlformats.org/officeDocument/2006/relationships" xmlns:p="http://schemas.openxmlformats.org/presentationml/2006/main">
+  <p:cSld>
+    <p:spTree>
+      <p:nvGrpSpPr>
+        <p:cNvPr id="1" name=""/>
+        <p:cNvGrpSpPr/>
+        <p:nvPr/>
+      </p:nvGrpSpPr>
+      <p:grpSpPr>
+        <a:xfrm>
+          <a:off x="0" y="0"/>
+          <a:ext cx="0" cy="0"/>
+          <a:chOff x="0" y="0"/>
+          <a:chExt cx="0" cy="0"/>
+        </a:xfrm>
+      </p:grpSpPr>
+      <p:graphicFrame>
+        <p:nvGraphicFramePr>
+          <p:cNvPr id="2" name="Tableau 1">
+            <a:extLst>
+              <a:ext uri="{FF2B5EF4-FFF2-40B4-BE49-F238E27FC236}">
+                <a16:creationId xmlns:a16="http://schemas.microsoft.com/office/drawing/2014/main" id="{F2989A05-44EC-4CAE-88B4-5D792275337F}"/>
+              </a:ext>
+            </a:extLst>
+          </p:cNvPr>
+          <p:cNvGraphicFramePr>
+            <a:graphicFrameLocks noGrp="1"/>
+          </p:cNvGraphicFramePr>
+          <p:nvPr>
+            <p:extLst>
+              <p:ext uri="{D42A27DB-BD31-4B8C-83A1-F6EECF244321}">
+                <p14:modId xmlns:p14="http://schemas.microsoft.com/office/powerpoint/2010/main" val="953416913"/>
+              </p:ext>
+            </p:extLst>
+          </p:nvPr>
+        </p:nvGraphicFramePr>
+        <p:xfrm>
+          <a:off x="467544" y="2042701"/>
+          <a:ext cx="8064897" cy="954251"/>
+        </p:xfrm>
+        <a:graphic>
+          <a:graphicData uri="http://schemas.openxmlformats.org/drawingml/2006/table">
+            <a:tbl>
+              <a:tblPr firstRow="1">
+                <a:tableStyleId>{5C22544A-7EE6-4342-B048-85BDC9FD1C3A}</a:tableStyleId>
+              </a:tblPr>
+              <a:tblGrid>
+                <a:gridCol w="2285291">
+                  <a:extLst>
+                    <a:ext uri="{9D8B030D-6E8A-4147-A177-3AD203B41FA5}">
+                      <a16:colId xmlns:a16="http://schemas.microsoft.com/office/drawing/2014/main" val="2950537842"/>
+                    </a:ext>
+                  </a:extLst>
+                </a:gridCol>
+                <a:gridCol w="2553647">
+                  <a:extLst>
+                    <a:ext uri="{9D8B030D-6E8A-4147-A177-3AD203B41FA5}">
+                      <a16:colId xmlns:a16="http://schemas.microsoft.com/office/drawing/2014/main" val="250726420"/>
+                    </a:ext>
+                  </a:extLst>
+                </a:gridCol>
+                <a:gridCol w="1747632">
+                  <a:extLst>
+                    <a:ext uri="{9D8B030D-6E8A-4147-A177-3AD203B41FA5}">
+                      <a16:colId xmlns:a16="http://schemas.microsoft.com/office/drawing/2014/main" val="3768577829"/>
+                    </a:ext>
+                  </a:extLst>
+                </a:gridCol>
+                <a:gridCol w="1478327">
+                  <a:extLst>
+                    <a:ext uri="{9D8B030D-6E8A-4147-A177-3AD203B41FA5}">
+                      <a16:colId xmlns:a16="http://schemas.microsoft.com/office/drawing/2014/main" val="3398917521"/>
+                    </a:ext>
+                  </a:extLst>
+                </a:gridCol>
+              </a:tblGrid>
+              <a:tr h="417019">
+                <a:tc>
+                  <a:txBody>
+                    <a:bodyPr/>
+                    <a:lstStyle/>
+                    <a:p>
+                      <a:pPr algn="ctr">
+                        <a:lnSpc>
+                          <a:spcPct val="115000"/>
+                        </a:lnSpc>
+                        <a:spcAft>
+                          <a:spcPts val="1000"/>
+                        </a:spcAft>
+                      </a:pPr>
+                      <a:r>
+                        <a:rPr lang="en-US" sz="1100" dirty="0">
+                          <a:effectLst/>
+                        </a:rPr>
+                        <a:t>Rank</a:t>
+                      </a:r>
+                      <a:endParaRPr lang="fr-FR" sz="1100" dirty="0">
+                        <a:effectLst/>
+                        <a:latin typeface="Calibri" panose="020F0502020204030204" pitchFamily="34" charset="0"/>
+                        <a:ea typeface="Calibri" panose="020F0502020204030204" pitchFamily="34" charset="0"/>
+                        <a:cs typeface="Times New Roman" panose="02020603050405020304" pitchFamily="18" charset="0"/>
+                      </a:endParaRPr>
+                    </a:p>
+                  </a:txBody>
+                  <a:tcPr marL="68580" marR="68580" marT="0" marB="0"/>
+                </a:tc>
+                <a:tc>
+                  <a:txBody>
+                    <a:bodyPr/>
+                    <a:lstStyle/>
+                    <a:p>
+                      <a:pPr algn="ctr">
+                        <a:lnSpc>
+                          <a:spcPct val="115000"/>
+                        </a:lnSpc>
+                        <a:spcAft>
+                          <a:spcPts val="1000"/>
+                        </a:spcAft>
+                      </a:pPr>
+                      <a:r>
+                        <a:rPr lang="en-US" sz="1100" dirty="0">
+                          <a:effectLst/>
+                        </a:rPr>
+                        <a:t>First Name</a:t>
+                      </a:r>
+                      <a:endParaRPr lang="fr-FR" sz="1100" dirty="0">
+                        <a:effectLst/>
+                        <a:latin typeface="Calibri" panose="020F0502020204030204" pitchFamily="34" charset="0"/>
+                        <a:ea typeface="Calibri" panose="020F0502020204030204" pitchFamily="34" charset="0"/>
+                        <a:cs typeface="Times New Roman" panose="02020603050405020304" pitchFamily="18" charset="0"/>
+                      </a:endParaRPr>
+                    </a:p>
+                  </a:txBody>
+                  <a:tcPr marL="68580" marR="68580" marT="0" marB="0" anchor="ctr"/>
+                </a:tc>
+                <a:tc>
+                  <a:txBody>
+                    <a:bodyPr/>
+                    <a:lstStyle/>
+                    <a:p>
+                      <a:pPr algn="ctr">
+                        <a:lnSpc>
+                          <a:spcPct val="115000"/>
+                        </a:lnSpc>
+                        <a:spcAft>
+                          <a:spcPts val="1000"/>
+                        </a:spcAft>
+                      </a:pPr>
+                      <a:r>
+                        <a:rPr lang="en-US" sz="1100" dirty="0">
+                          <a:effectLst/>
+                        </a:rPr>
+                        <a:t>Name</a:t>
+                      </a:r>
+                      <a:endParaRPr lang="fr-FR" sz="1100" dirty="0">
+                        <a:effectLst/>
+                        <a:latin typeface="Calibri" panose="020F0502020204030204" pitchFamily="34" charset="0"/>
+                        <a:ea typeface="Calibri" panose="020F0502020204030204" pitchFamily="34" charset="0"/>
+                        <a:cs typeface="Times New Roman" panose="02020603050405020304" pitchFamily="18" charset="0"/>
+                      </a:endParaRPr>
+                    </a:p>
+                  </a:txBody>
+                  <a:tcPr marL="68580" marR="68580" marT="0" marB="0" anchor="ctr"/>
+                </a:tc>
+                <a:tc>
+                  <a:txBody>
+                    <a:bodyPr/>
+                    <a:lstStyle/>
+                    <a:p>
+                      <a:pPr algn="ctr">
+                        <a:lnSpc>
+                          <a:spcPct val="115000"/>
+                        </a:lnSpc>
+                        <a:spcAft>
+                          <a:spcPts val="1000"/>
+                        </a:spcAft>
+                      </a:pPr>
+                      <a:r>
+                        <a:rPr lang="en-US" sz="1100" dirty="0">
+                          <a:effectLst/>
+                        </a:rPr>
+                        <a:t>Membership number</a:t>
+                      </a:r>
+                      <a:endParaRPr lang="fr-FR" sz="1100" dirty="0">
+                        <a:effectLst/>
+                        <a:latin typeface="Calibri" panose="020F0502020204030204" pitchFamily="34" charset="0"/>
+                        <a:ea typeface="Calibri" panose="020F0502020204030204" pitchFamily="34" charset="0"/>
+                        <a:cs typeface="Times New Roman" panose="02020603050405020304" pitchFamily="18" charset="0"/>
+                      </a:endParaRPr>
+                    </a:p>
+                  </a:txBody>
+                  <a:tcPr marL="68580" marR="68580" marT="0" marB="0" anchor="ctr"/>
+                </a:tc>
+                <a:extLst>
+                  <a:ext uri="{0D108BD9-81ED-4DB2-BD59-A6C34878D82A}">
+                    <a16:rowId xmlns:a16="http://schemas.microsoft.com/office/drawing/2014/main" val="2074020687"/>
+                  </a:ext>
+                </a:extLst>
+              </a:tr>
+              <a:tr h="537232">
+                <a:tc>
+                  <a:txBody>
+                    <a:bodyPr/>
+                    <a:lstStyle/>
+                    <a:p>
+                      <a:pPr>
+                        <a:lnSpc>
+                          <a:spcPct val="115000"/>
+                        </a:lnSpc>
+                        <a:spcAft>
+                          <a:spcPts val="1000"/>
+                        </a:spcAft>
+                      </a:pPr>
+                      <a:r>
+                        <a:rPr lang="en-US" sz="1100" dirty="0">
+                          <a:effectLst/>
+                        </a:rPr>
+                        <a:t>[a.rank;block=tbs:row]</a:t>
+                      </a:r>
+                      <a:endParaRPr lang="fr-FR" sz="1100" dirty="0">
+                        <a:effectLst/>
+                        <a:latin typeface="Calibri" panose="020F0502020204030204" pitchFamily="34" charset="0"/>
+                        <a:ea typeface="Calibri" panose="020F0502020204030204" pitchFamily="34" charset="0"/>
+                        <a:cs typeface="Times New Roman" panose="02020603050405020304" pitchFamily="18" charset="0"/>
+                      </a:endParaRPr>
+                    </a:p>
+                  </a:txBody>
+                  <a:tcPr marL="68580" marR="68580" marT="0" marB="0" anchor="ctr"/>
+                </a:tc>
+                <a:tc>
+                  <a:txBody>
+                    <a:bodyPr/>
+                    <a:lstStyle/>
+                    <a:p>
+                      <a:pPr>
+                        <a:lnSpc>
+                          <a:spcPct val="115000"/>
+                        </a:lnSpc>
+                        <a:spcAft>
+                          <a:spcPts val="1000"/>
+                        </a:spcAft>
+                      </a:pPr>
+                      <a:r>
+                        <a:rPr lang="en-US" sz="1100" dirty="0">
+                          <a:effectLst/>
+                        </a:rPr>
+                        <a:t>[a.firstname]</a:t>
+                      </a:r>
+                      <a:endParaRPr lang="fr-FR" sz="1100" dirty="0">
+                        <a:effectLst/>
+                        <a:latin typeface="Calibri" panose="020F0502020204030204" pitchFamily="34" charset="0"/>
+                        <a:ea typeface="Calibri" panose="020F0502020204030204" pitchFamily="34" charset="0"/>
+                        <a:cs typeface="Times New Roman" panose="02020603050405020304" pitchFamily="18" charset="0"/>
+                      </a:endParaRPr>
+                    </a:p>
+                  </a:txBody>
+                  <a:tcPr marL="68580" marR="68580" marT="0" marB="0" anchor="ctr"/>
+                </a:tc>
+                <a:tc>
+                  <a:txBody>
+                    <a:bodyPr/>
+                    <a:lstStyle/>
+                    <a:p>
+                      <a:pPr>
+                        <a:lnSpc>
+                          <a:spcPct val="115000"/>
+                        </a:lnSpc>
+                        <a:spcAft>
+                          <a:spcPts val="1000"/>
+                        </a:spcAft>
+                      </a:pPr>
+                      <a:r>
+                        <a:rPr lang="en-US" sz="1100" dirty="0">
+                          <a:effectLst/>
+                        </a:rPr>
+                        <a:t>[a.name]</a:t>
+                      </a:r>
+                      <a:endParaRPr lang="fr-FR" sz="1100" dirty="0">
+                        <a:effectLst/>
+                        <a:latin typeface="Calibri" panose="020F0502020204030204" pitchFamily="34" charset="0"/>
+                        <a:ea typeface="Calibri" panose="020F0502020204030204" pitchFamily="34" charset="0"/>
+                        <a:cs typeface="Times New Roman" panose="02020603050405020304" pitchFamily="18" charset="0"/>
+                      </a:endParaRPr>
+                    </a:p>
+                  </a:txBody>
+                  <a:tcPr marL="68580" marR="68580" marT="0" marB="0" anchor="ctr"/>
+                </a:tc>
+                <a:tc>
+                  <a:txBody>
+                    <a:bodyPr/>
+                    <a:lstStyle/>
+                    <a:p>
+                      <a:pPr>
+                        <a:lnSpc>
+                          <a:spcPct val="115000"/>
+                        </a:lnSpc>
+                        <a:spcAft>
+                          <a:spcPts val="1000"/>
+                        </a:spcAft>
+                      </a:pPr>
+                      <a:r>
+                        <a:rPr lang="en-US" sz="1100" dirty="0">
+                          <a:effectLst/>
+                        </a:rPr>
+                        <a:t>[a.number]</a:t>
+                      </a:r>
+                      <a:endParaRPr lang="fr-FR" sz="1100" dirty="0">
+                        <a:effectLst/>
+                        <a:latin typeface="Calibri" panose="020F0502020204030204" pitchFamily="34" charset="0"/>
+                        <a:ea typeface="Calibri" panose="020F0502020204030204" pitchFamily="34" charset="0"/>
+                        <a:cs typeface="Times New Roman" panose="02020603050405020304" pitchFamily="18" charset="0"/>
+                      </a:endParaRPr>
+                    </a:p>
+                  </a:txBody>
+                  <a:tcPr marL="68580" marR="68580" marT="0" marB="0" anchor="ctr"/>
+                </a:tc>
+                <a:extLst>
+                  <a:ext uri="{0D108BD9-81ED-4DB2-BD59-A6C34878D82A}">
+                    <a16:rowId xmlns:a16="http://schemas.microsoft.com/office/drawing/2014/main" val="459926689"/>
+                  </a:ext>
+                </a:extLst>
+              </a:tr>
+            </a:tbl>
+          </a:graphicData>
+        </a:graphic>
+      </p:graphicFrame>
+    </p:spTree>
+    <p:extLst>
+      <p:ext uri="{BB962C8B-B14F-4D97-AF65-F5344CB8AC3E}">
+        <p14:creationId xmlns:p14="http://schemas.microsoft.com/office/powerpoint/2010/main" val="2774703312"/>
       </p:ext>
     </p:extLst>
   </p:cSld>

--- a/tests/demo_ms_powerpoint3.pptx
+++ b/tests/demo_ms_powerpoint3.pptx
@@ -6,8 +6,8 @@
   </p:sldMasterIdLst>
   <p:sldIdLst>
     <p:sldId id="256" r:id="rId2"/>
-    <p:sldId id="257" r:id="rId3"/>
-    <p:sldId id="260" r:id="rId4"/>
+    <p:sldId id="260" r:id="rId3"/>
+    <p:sldId id="257" r:id="rId4"/>
     <p:sldId id="258" r:id="rId5"/>
     <p:sldId id="259" r:id="rId6"/>
     <p:sldId id="261" r:id="rId7"/>
@@ -2524,9 +2524,9 @@
               <a:pPr>
                 <a:defRPr/>
               </a:pPr>
-              <a:t>06/01/2022</a:t>
+              <a:t>10/01/2022</a:t>
             </a:fld>
-            <a:endParaRPr lang="fr-FR" dirty="0"/>
+            <a:endParaRPr lang="fr-FR"/>
           </a:p>
         </p:txBody>
       </p:sp>
@@ -2548,7 +2548,7 @@
             <a:pPr>
               <a:defRPr/>
             </a:pPr>
-            <a:endParaRPr lang="fr-FR" dirty="0"/>
+            <a:endParaRPr lang="fr-FR"/>
           </a:p>
         </p:txBody>
       </p:sp>
@@ -2577,7 +2577,7 @@
               </a:pPr>
               <a:t>‹N°›</a:t>
             </a:fld>
-            <a:endParaRPr lang="fr-FR" dirty="0"/>
+            <a:endParaRPr lang="fr-FR"/>
           </a:p>
         </p:txBody>
       </p:sp>
@@ -2719,10 +2719,10 @@
           </a:lstStyle>
           <a:p>
             <a:r>
-              <a:rPr lang="fr-FR" dirty="0"/>
+              <a:rPr lang="fr-FR"/>
               <a:t>Cliquez sur l'icône pour ajouter une image</a:t>
             </a:r>
-            <a:endParaRPr lang="en-US" dirty="0"/>
+            <a:endParaRPr lang="en-US"/>
           </a:p>
         </p:txBody>
       </p:sp>
@@ -2805,9 +2805,9 @@
               <a:pPr>
                 <a:defRPr/>
               </a:pPr>
-              <a:t>06/01/2022</a:t>
+              <a:t>10/01/2022</a:t>
             </a:fld>
-            <a:endParaRPr lang="fr-FR" dirty="0"/>
+            <a:endParaRPr lang="fr-FR"/>
           </a:p>
         </p:txBody>
       </p:sp>
@@ -2829,7 +2829,7 @@
             <a:pPr>
               <a:defRPr/>
             </a:pPr>
-            <a:endParaRPr lang="fr-FR" dirty="0"/>
+            <a:endParaRPr lang="fr-FR"/>
           </a:p>
         </p:txBody>
       </p:sp>
@@ -2858,7 +2858,7 @@
               </a:pPr>
               <a:t>‹N°›</a:t>
             </a:fld>
-            <a:endParaRPr lang="fr-FR" dirty="0"/>
+            <a:endParaRPr lang="fr-FR"/>
           </a:p>
         </p:txBody>
       </p:sp>
@@ -3068,9 +3068,9 @@
               <a:pPr>
                 <a:defRPr/>
               </a:pPr>
-              <a:t>06/01/2022</a:t>
+              <a:t>10/01/2022</a:t>
             </a:fld>
-            <a:endParaRPr lang="fr-FR" dirty="0"/>
+            <a:endParaRPr lang="fr-FR"/>
           </a:p>
         </p:txBody>
       </p:sp>
@@ -3092,7 +3092,7 @@
             <a:pPr>
               <a:defRPr/>
             </a:pPr>
-            <a:endParaRPr lang="fr-FR" dirty="0"/>
+            <a:endParaRPr lang="fr-FR"/>
           </a:p>
         </p:txBody>
       </p:sp>
@@ -3121,7 +3121,7 @@
               </a:pPr>
               <a:t>‹N°›</a:t>
             </a:fld>
-            <a:endParaRPr lang="fr-FR" dirty="0"/>
+            <a:endParaRPr lang="fr-FR"/>
           </a:p>
         </p:txBody>
       </p:sp>
@@ -3389,9 +3389,9 @@
               <a:pPr>
                 <a:defRPr/>
               </a:pPr>
-              <a:t>06/01/2022</a:t>
+              <a:t>10/01/2022</a:t>
             </a:fld>
-            <a:endParaRPr lang="fr-FR" dirty="0"/>
+            <a:endParaRPr lang="fr-FR"/>
           </a:p>
         </p:txBody>
       </p:sp>
@@ -3413,7 +3413,7 @@
             <a:pPr>
               <a:defRPr/>
             </a:pPr>
-            <a:endParaRPr lang="fr-FR" dirty="0"/>
+            <a:endParaRPr lang="fr-FR"/>
           </a:p>
         </p:txBody>
       </p:sp>
@@ -3442,7 +3442,7 @@
               </a:pPr>
               <a:t>‹N°›</a:t>
             </a:fld>
-            <a:endParaRPr lang="fr-FR" dirty="0"/>
+            <a:endParaRPr lang="fr-FR"/>
           </a:p>
         </p:txBody>
       </p:sp>
@@ -3469,7 +3469,7 @@
           <a:p>
             <a:pPr lvl="0"/>
             <a:r>
-              <a:rPr lang="en-US" sz="8000" dirty="0">
+              <a:rPr lang="en-US" sz="8000">
                 <a:solidFill>
                   <a:schemeClr val="tx1"/>
                 </a:solidFill>
@@ -3503,7 +3503,7 @@
           <a:p>
             <a:pPr lvl="0" algn="r"/>
             <a:r>
-              <a:rPr lang="en-US" sz="8000" dirty="0">
+              <a:rPr lang="en-US" sz="8000">
                 <a:solidFill>
                   <a:schemeClr val="tx1"/>
                 </a:solidFill>
@@ -3720,9 +3720,9 @@
               <a:pPr>
                 <a:defRPr/>
               </a:pPr>
-              <a:t>06/01/2022</a:t>
+              <a:t>10/01/2022</a:t>
             </a:fld>
-            <a:endParaRPr lang="fr-FR" dirty="0"/>
+            <a:endParaRPr lang="fr-FR"/>
           </a:p>
         </p:txBody>
       </p:sp>
@@ -3744,7 +3744,7 @@
             <a:pPr>
               <a:defRPr/>
             </a:pPr>
-            <a:endParaRPr lang="fr-FR" dirty="0"/>
+            <a:endParaRPr lang="fr-FR"/>
           </a:p>
         </p:txBody>
       </p:sp>
@@ -3773,7 +3773,7 @@
               </a:pPr>
               <a:t>‹N°›</a:t>
             </a:fld>
-            <a:endParaRPr lang="fr-FR" dirty="0"/>
+            <a:endParaRPr lang="fr-FR"/>
           </a:p>
         </p:txBody>
       </p:sp>
@@ -4035,9 +4035,9 @@
               <a:pPr>
                 <a:defRPr/>
               </a:pPr>
-              <a:t>06/01/2022</a:t>
+              <a:t>10/01/2022</a:t>
             </a:fld>
-            <a:endParaRPr lang="fr-FR" dirty="0"/>
+            <a:endParaRPr lang="fr-FR"/>
           </a:p>
         </p:txBody>
       </p:sp>
@@ -4059,7 +4059,7 @@
             <a:pPr>
               <a:defRPr/>
             </a:pPr>
-            <a:endParaRPr lang="fr-FR" dirty="0"/>
+            <a:endParaRPr lang="fr-FR"/>
           </a:p>
         </p:txBody>
       </p:sp>
@@ -4088,7 +4088,7 @@
               </a:pPr>
               <a:t>‹N°›</a:t>
             </a:fld>
-            <a:endParaRPr lang="fr-FR" dirty="0"/>
+            <a:endParaRPr lang="fr-FR"/>
           </a:p>
         </p:txBody>
       </p:sp>
@@ -4115,7 +4115,7 @@
           <a:p>
             <a:pPr lvl="0"/>
             <a:r>
-              <a:rPr lang="en-US" sz="8000" dirty="0">
+              <a:rPr lang="en-US" sz="8000">
                 <a:solidFill>
                   <a:schemeClr val="tx1"/>
                 </a:solidFill>
@@ -4149,7 +4149,7 @@
           <a:p>
             <a:pPr lvl="0" algn="r"/>
             <a:r>
-              <a:rPr lang="en-US" sz="8000" dirty="0">
+              <a:rPr lang="en-US" sz="8000">
                 <a:solidFill>
                   <a:schemeClr val="tx1"/>
                 </a:solidFill>
@@ -4415,9 +4415,9 @@
               <a:pPr>
                 <a:defRPr/>
               </a:pPr>
-              <a:t>06/01/2022</a:t>
+              <a:t>10/01/2022</a:t>
             </a:fld>
-            <a:endParaRPr lang="fr-FR" dirty="0"/>
+            <a:endParaRPr lang="fr-FR"/>
           </a:p>
         </p:txBody>
       </p:sp>
@@ -4439,7 +4439,7 @@
             <a:pPr>
               <a:defRPr/>
             </a:pPr>
-            <a:endParaRPr lang="fr-FR" dirty="0"/>
+            <a:endParaRPr lang="fr-FR"/>
           </a:p>
         </p:txBody>
       </p:sp>
@@ -4468,7 +4468,7 @@
               </a:pPr>
               <a:t>‹N°›</a:t>
             </a:fld>
-            <a:endParaRPr lang="fr-FR" dirty="0"/>
+            <a:endParaRPr lang="fr-FR"/>
           </a:p>
         </p:txBody>
       </p:sp>
@@ -4616,9 +4616,9 @@
               <a:pPr>
                 <a:defRPr/>
               </a:pPr>
-              <a:t>06/01/2022</a:t>
+              <a:t>10/01/2022</a:t>
             </a:fld>
-            <a:endParaRPr lang="fr-FR" dirty="0"/>
+            <a:endParaRPr lang="fr-FR"/>
           </a:p>
         </p:txBody>
       </p:sp>
@@ -4640,7 +4640,7 @@
             <a:pPr>
               <a:defRPr/>
             </a:pPr>
-            <a:endParaRPr lang="fr-FR" dirty="0"/>
+            <a:endParaRPr lang="fr-FR"/>
           </a:p>
         </p:txBody>
       </p:sp>
@@ -4669,7 +4669,7 @@
               </a:pPr>
               <a:t>‹N°›</a:t>
             </a:fld>
-            <a:endParaRPr lang="fr-FR" dirty="0"/>
+            <a:endParaRPr lang="fr-FR"/>
           </a:p>
         </p:txBody>
       </p:sp>
@@ -4817,9 +4817,9 @@
               <a:pPr>
                 <a:defRPr/>
               </a:pPr>
-              <a:t>06/01/2022</a:t>
+              <a:t>10/01/2022</a:t>
             </a:fld>
-            <a:endParaRPr lang="fr-FR" dirty="0"/>
+            <a:endParaRPr lang="fr-FR"/>
           </a:p>
         </p:txBody>
       </p:sp>
@@ -4841,7 +4841,7 @@
             <a:pPr>
               <a:defRPr/>
             </a:pPr>
-            <a:endParaRPr lang="fr-FR" dirty="0"/>
+            <a:endParaRPr lang="fr-FR"/>
           </a:p>
         </p:txBody>
       </p:sp>
@@ -4870,7 +4870,7 @@
               </a:pPr>
               <a:t>‹N°›</a:t>
             </a:fld>
-            <a:endParaRPr lang="fr-FR" dirty="0"/>
+            <a:endParaRPr lang="fr-FR"/>
           </a:p>
         </p:txBody>
       </p:sp>
@@ -5012,9 +5012,9 @@
               <a:pPr>
                 <a:defRPr/>
               </a:pPr>
-              <a:t>06/01/2022</a:t>
+              <a:t>10/01/2022</a:t>
             </a:fld>
-            <a:endParaRPr lang="fr-FR" dirty="0"/>
+            <a:endParaRPr lang="fr-FR"/>
           </a:p>
         </p:txBody>
       </p:sp>
@@ -5036,7 +5036,7 @@
             <a:pPr>
               <a:defRPr/>
             </a:pPr>
-            <a:endParaRPr lang="fr-FR" dirty="0"/>
+            <a:endParaRPr lang="fr-FR"/>
           </a:p>
         </p:txBody>
       </p:sp>
@@ -5065,7 +5065,7 @@
               </a:pPr>
               <a:t>‹N°›</a:t>
             </a:fld>
-            <a:endParaRPr lang="fr-FR" dirty="0"/>
+            <a:endParaRPr lang="fr-FR"/>
           </a:p>
         </p:txBody>
       </p:sp>
@@ -5275,9 +5275,9 @@
               <a:pPr>
                 <a:defRPr/>
               </a:pPr>
-              <a:t>06/01/2022</a:t>
+              <a:t>10/01/2022</a:t>
             </a:fld>
-            <a:endParaRPr lang="fr-FR" dirty="0"/>
+            <a:endParaRPr lang="fr-FR"/>
           </a:p>
         </p:txBody>
       </p:sp>
@@ -5299,7 +5299,7 @@
             <a:pPr>
               <a:defRPr/>
             </a:pPr>
-            <a:endParaRPr lang="fr-FR" dirty="0"/>
+            <a:endParaRPr lang="fr-FR"/>
           </a:p>
         </p:txBody>
       </p:sp>
@@ -5328,7 +5328,7 @@
               </a:pPr>
               <a:t>‹N°›</a:t>
             </a:fld>
-            <a:endParaRPr lang="fr-FR" dirty="0"/>
+            <a:endParaRPr lang="fr-FR"/>
           </a:p>
         </p:txBody>
       </p:sp>
@@ -5537,9 +5537,9 @@
               <a:pPr>
                 <a:defRPr/>
               </a:pPr>
-              <a:t>06/01/2022</a:t>
+              <a:t>10/01/2022</a:t>
             </a:fld>
-            <a:endParaRPr lang="fr-FR" dirty="0"/>
+            <a:endParaRPr lang="fr-FR"/>
           </a:p>
         </p:txBody>
       </p:sp>
@@ -5561,7 +5561,7 @@
             <a:pPr>
               <a:defRPr/>
             </a:pPr>
-            <a:endParaRPr lang="fr-FR" dirty="0"/>
+            <a:endParaRPr lang="fr-FR"/>
           </a:p>
         </p:txBody>
       </p:sp>
@@ -5590,7 +5590,7 @@
               </a:pPr>
               <a:t>‹N°›</a:t>
             </a:fld>
-            <a:endParaRPr lang="fr-FR" dirty="0"/>
+            <a:endParaRPr lang="fr-FR"/>
           </a:p>
         </p:txBody>
       </p:sp>
@@ -5941,9 +5941,9 @@
               <a:pPr>
                 <a:defRPr/>
               </a:pPr>
-              <a:t>06/01/2022</a:t>
+              <a:t>10/01/2022</a:t>
             </a:fld>
-            <a:endParaRPr lang="fr-FR" dirty="0"/>
+            <a:endParaRPr lang="fr-FR"/>
           </a:p>
         </p:txBody>
       </p:sp>
@@ -5965,7 +5965,7 @@
             <a:pPr>
               <a:defRPr/>
             </a:pPr>
-            <a:endParaRPr lang="fr-FR" dirty="0"/>
+            <a:endParaRPr lang="fr-FR"/>
           </a:p>
         </p:txBody>
       </p:sp>
@@ -5994,7 +5994,7 @@
               </a:pPr>
               <a:t>‹N°›</a:t>
             </a:fld>
-            <a:endParaRPr lang="fr-FR" dirty="0"/>
+            <a:endParaRPr lang="fr-FR"/>
           </a:p>
         </p:txBody>
       </p:sp>
@@ -6085,9 +6085,9 @@
               <a:pPr>
                 <a:defRPr/>
               </a:pPr>
-              <a:t>06/01/2022</a:t>
+              <a:t>10/01/2022</a:t>
             </a:fld>
-            <a:endParaRPr lang="fr-FR" dirty="0"/>
+            <a:endParaRPr lang="fr-FR"/>
           </a:p>
         </p:txBody>
       </p:sp>
@@ -6109,7 +6109,7 @@
             <a:pPr>
               <a:defRPr/>
             </a:pPr>
-            <a:endParaRPr lang="fr-FR" dirty="0"/>
+            <a:endParaRPr lang="fr-FR"/>
           </a:p>
         </p:txBody>
       </p:sp>
@@ -6138,7 +6138,7 @@
               </a:pPr>
               <a:t>‹N°›</a:t>
             </a:fld>
-            <a:endParaRPr lang="fr-FR" dirty="0"/>
+            <a:endParaRPr lang="fr-FR"/>
           </a:p>
         </p:txBody>
       </p:sp>
@@ -6195,9 +6195,9 @@
               <a:pPr>
                 <a:defRPr/>
               </a:pPr>
-              <a:t>06/01/2022</a:t>
+              <a:t>10/01/2022</a:t>
             </a:fld>
-            <a:endParaRPr lang="fr-FR" dirty="0"/>
+            <a:endParaRPr lang="fr-FR"/>
           </a:p>
         </p:txBody>
       </p:sp>
@@ -6219,7 +6219,7 @@
             <a:pPr>
               <a:defRPr/>
             </a:pPr>
-            <a:endParaRPr lang="fr-FR" dirty="0"/>
+            <a:endParaRPr lang="fr-FR"/>
           </a:p>
         </p:txBody>
       </p:sp>
@@ -6248,7 +6248,7 @@
               </a:pPr>
               <a:t>‹N°›</a:t>
             </a:fld>
-            <a:endParaRPr lang="fr-FR" dirty="0"/>
+            <a:endParaRPr lang="fr-FR"/>
           </a:p>
         </p:txBody>
       </p:sp>
@@ -6465,9 +6465,9 @@
               <a:pPr>
                 <a:defRPr/>
               </a:pPr>
-              <a:t>06/01/2022</a:t>
+              <a:t>10/01/2022</a:t>
             </a:fld>
-            <a:endParaRPr lang="fr-FR" dirty="0"/>
+            <a:endParaRPr lang="fr-FR"/>
           </a:p>
         </p:txBody>
       </p:sp>
@@ -6489,7 +6489,7 @@
             <a:pPr>
               <a:defRPr/>
             </a:pPr>
-            <a:endParaRPr lang="fr-FR" dirty="0"/>
+            <a:endParaRPr lang="fr-FR"/>
           </a:p>
         </p:txBody>
       </p:sp>
@@ -6518,7 +6518,7 @@
               </a:pPr>
               <a:t>‹N°›</a:t>
             </a:fld>
-            <a:endParaRPr lang="fr-FR" dirty="0"/>
+            <a:endParaRPr lang="fr-FR"/>
           </a:p>
         </p:txBody>
       </p:sp>
@@ -6666,10 +6666,10 @@
           </a:lstStyle>
           <a:p>
             <a:r>
-              <a:rPr lang="fr-FR" dirty="0"/>
+              <a:rPr lang="fr-FR"/>
               <a:t>Cliquez sur l'icône pour ajouter une image</a:t>
             </a:r>
-            <a:endParaRPr lang="en-US" dirty="0"/>
+            <a:endParaRPr lang="en-US"/>
           </a:p>
         </p:txBody>
       </p:sp>
@@ -6763,9 +6763,9 @@
               <a:pPr>
                 <a:defRPr/>
               </a:pPr>
-              <a:t>06/01/2022</a:t>
+              <a:t>10/01/2022</a:t>
             </a:fld>
-            <a:endParaRPr lang="fr-FR" dirty="0"/>
+            <a:endParaRPr lang="fr-FR"/>
           </a:p>
         </p:txBody>
       </p:sp>
@@ -6792,7 +6792,7 @@
             <a:pPr>
               <a:defRPr/>
             </a:pPr>
-            <a:endParaRPr lang="fr-FR" dirty="0"/>
+            <a:endParaRPr lang="fr-FR"/>
           </a:p>
         </p:txBody>
       </p:sp>
@@ -6821,7 +6821,7 @@
               </a:pPr>
               <a:t>‹N°›</a:t>
             </a:fld>
-            <a:endParaRPr lang="fr-FR" dirty="0"/>
+            <a:endParaRPr lang="fr-FR"/>
           </a:p>
         </p:txBody>
       </p:sp>
@@ -7189,9 +7189,9 @@
               <a:pPr>
                 <a:defRPr/>
               </a:pPr>
-              <a:t>06/01/2022</a:t>
+              <a:t>10/01/2022</a:t>
             </a:fld>
-            <a:endParaRPr lang="fr-FR" dirty="0"/>
+            <a:endParaRPr lang="fr-FR"/>
           </a:p>
         </p:txBody>
       </p:sp>
@@ -7233,7 +7233,7 @@
             <a:pPr>
               <a:defRPr/>
             </a:pPr>
-            <a:endParaRPr lang="fr-FR" dirty="0"/>
+            <a:endParaRPr lang="fr-FR"/>
           </a:p>
         </p:txBody>
       </p:sp>
@@ -7282,7 +7282,7 @@
               </a:pPr>
               <a:t>‹N°›</a:t>
             </a:fld>
-            <a:endParaRPr lang="fr-FR" dirty="0"/>
+            <a:endParaRPr lang="fr-FR"/>
           </a:p>
         </p:txBody>
       </p:sp>
@@ -7795,6 +7795,81 @@
           </a:p>
         </p:txBody>
       </p:sp>
+      <p:sp>
+        <p:nvSpPr>
+          <p:cNvPr id="3" name="ZoneTexte 2">
+            <a:extLst>
+              <a:ext uri="{FF2B5EF4-FFF2-40B4-BE49-F238E27FC236}">
+                <a16:creationId xmlns:a16="http://schemas.microsoft.com/office/drawing/2014/main" id="{CF1BE912-F207-40D4-8EBD-F5FBECF2F7FF}"/>
+              </a:ext>
+            </a:extLst>
+          </p:cNvPr>
+          <p:cNvSpPr txBox="1"/>
+          <p:nvPr/>
+        </p:nvSpPr>
+        <p:spPr>
+          <a:xfrm>
+            <a:off x="623268" y="5661248"/>
+            <a:ext cx="2182008" cy="369332"/>
+          </a:xfrm>
+          <a:prstGeom prst="rect">
+            <a:avLst/>
+          </a:prstGeom>
+          <a:noFill/>
+        </p:spPr>
+        <p:txBody>
+          <a:bodyPr wrap="none" rtlCol="0">
+            <a:spAutoFit/>
+          </a:bodyPr>
+          <a:lstStyle/>
+          <a:p>
+            <a:r>
+              <a:rPr lang="fr-FR"/>
+              <a:t>Salut : [ds.image],</a:t>
+            </a:r>
+          </a:p>
+        </p:txBody>
+      </p:sp>
+      <p:pic>
+        <p:nvPicPr>
+          <p:cNvPr id="4" name="Image 3" descr="[ds.image;ope=changepic;tagpos=inside]">
+            <a:extLst>
+              <a:ext uri="{FF2B5EF4-FFF2-40B4-BE49-F238E27FC236}">
+                <a16:creationId xmlns:a16="http://schemas.microsoft.com/office/drawing/2014/main" id="{757651FC-6481-4687-B271-901434F70179}"/>
+              </a:ext>
+            </a:extLst>
+          </p:cNvPr>
+          <p:cNvPicPr>
+            <a:picLocks noChangeAspect="1"/>
+          </p:cNvPicPr>
+          <p:nvPr/>
+        </p:nvPicPr>
+        <p:blipFill>
+          <a:blip r:embed="rId2">
+            <a:extLst>
+              <a:ext uri="{28A0092B-C50C-407E-A947-70E740481C1C}">
+                <a14:useLocalDpi xmlns:a14="http://schemas.microsoft.com/office/drawing/2010/main" val="0"/>
+              </a:ext>
+            </a:extLst>
+          </a:blip>
+          <a:stretch>
+            <a:fillRect/>
+          </a:stretch>
+        </p:blipFill>
+        <p:spPr bwMode="auto">
+          <a:xfrm>
+            <a:off x="4572001" y="751439"/>
+            <a:ext cx="3811960" cy="1464135"/>
+          </a:xfrm>
+          <a:prstGeom prst="rect">
+            <a:avLst/>
+          </a:prstGeom>
+          <a:noFill/>
+          <a:ln>
+            <a:noFill/>
+          </a:ln>
+        </p:spPr>
+      </p:pic>
     </p:spTree>
   </p:cSld>
   <p:clrMapOvr>
@@ -7804,6 +7879,170 @@
 </file>
 
 <file path=ppt/slides/slide2.xml><?xml version="1.0" encoding="utf-8"?>
+<p:sld xmlns:a="http://schemas.openxmlformats.org/drawingml/2006/main" xmlns:r="http://schemas.openxmlformats.org/officeDocument/2006/relationships" xmlns:p="http://schemas.openxmlformats.org/presentationml/2006/main">
+  <p:cSld>
+    <p:spTree>
+      <p:nvGrpSpPr>
+        <p:cNvPr id="1" name=""/>
+        <p:cNvGrpSpPr/>
+        <p:nvPr/>
+      </p:nvGrpSpPr>
+      <p:grpSpPr>
+        <a:xfrm>
+          <a:off x="0" y="0"/>
+          <a:ext cx="0" cy="0"/>
+          <a:chOff x="0" y="0"/>
+          <a:chExt cx="0" cy="0"/>
+        </a:xfrm>
+      </p:grpSpPr>
+      <p:sp>
+        <p:nvSpPr>
+          <p:cNvPr id="2" name="Titre 1">
+            <a:extLst>
+              <a:ext uri="{FF2B5EF4-FFF2-40B4-BE49-F238E27FC236}">
+                <a16:creationId xmlns:a16="http://schemas.microsoft.com/office/drawing/2014/main" id="{D8042DD7-F0CD-4592-ABCF-111D9C7802A8}"/>
+              </a:ext>
+            </a:extLst>
+          </p:cNvPr>
+          <p:cNvSpPr>
+            <a:spLocks noGrp="1"/>
+          </p:cNvSpPr>
+          <p:nvPr>
+            <p:ph type="title"/>
+          </p:nvPr>
+        </p:nvSpPr>
+        <p:spPr/>
+        <p:txBody>
+          <a:bodyPr/>
+          <a:lstStyle/>
+          <a:p>
+            <a:r>
+              <a:rPr lang="fr-FR"/>
+              <a:t>aaaa</a:t>
+            </a:r>
+          </a:p>
+        </p:txBody>
+      </p:sp>
+      <p:sp>
+        <p:nvSpPr>
+          <p:cNvPr id="3" name="Espace réservé du texte 2">
+            <a:extLst>
+              <a:ext uri="{FF2B5EF4-FFF2-40B4-BE49-F238E27FC236}">
+                <a16:creationId xmlns:a16="http://schemas.microsoft.com/office/drawing/2014/main" id="{2C7A2766-A3F2-4111-B1AB-552F2705A2E4}"/>
+              </a:ext>
+            </a:extLst>
+          </p:cNvPr>
+          <p:cNvSpPr>
+            <a:spLocks noGrp="1"/>
+          </p:cNvSpPr>
+          <p:nvPr>
+            <p:ph type="body" idx="1"/>
+          </p:nvPr>
+        </p:nvSpPr>
+        <p:spPr/>
+        <p:txBody>
+          <a:bodyPr/>
+          <a:lstStyle/>
+          <a:p>
+            <a:r>
+              <a:rPr lang="fr-FR"/>
+              <a:t>aaa</a:t>
+            </a:r>
+          </a:p>
+        </p:txBody>
+      </p:sp>
+      <p:sp>
+        <p:nvSpPr>
+          <p:cNvPr id="4" name="Espace réservé du contenu 3">
+            <a:extLst>
+              <a:ext uri="{FF2B5EF4-FFF2-40B4-BE49-F238E27FC236}">
+                <a16:creationId xmlns:a16="http://schemas.microsoft.com/office/drawing/2014/main" id="{48B93216-3DD3-4075-8F21-7E60E7CCBFED}"/>
+              </a:ext>
+            </a:extLst>
+          </p:cNvPr>
+          <p:cNvSpPr>
+            <a:spLocks noGrp="1"/>
+          </p:cNvSpPr>
+          <p:nvPr>
+            <p:ph sz="half" idx="2"/>
+          </p:nvPr>
+        </p:nvSpPr>
+        <p:spPr/>
+        <p:txBody>
+          <a:bodyPr/>
+          <a:lstStyle/>
+          <a:p>
+            <a:endParaRPr lang="fr-FR"/>
+          </a:p>
+        </p:txBody>
+      </p:sp>
+      <p:sp>
+        <p:nvSpPr>
+          <p:cNvPr id="5" name="Espace réservé du texte 4">
+            <a:extLst>
+              <a:ext uri="{FF2B5EF4-FFF2-40B4-BE49-F238E27FC236}">
+                <a16:creationId xmlns:a16="http://schemas.microsoft.com/office/drawing/2014/main" id="{441D01CE-9B32-4CA1-9761-3C05556B172D}"/>
+              </a:ext>
+            </a:extLst>
+          </p:cNvPr>
+          <p:cNvSpPr>
+            <a:spLocks noGrp="1"/>
+          </p:cNvSpPr>
+          <p:nvPr>
+            <p:ph type="body" sz="quarter" idx="3"/>
+          </p:nvPr>
+        </p:nvSpPr>
+        <p:spPr/>
+        <p:txBody>
+          <a:bodyPr/>
+          <a:lstStyle/>
+          <a:p>
+            <a:r>
+              <a:rPr lang="fr-FR"/>
+              <a:t>aaa</a:t>
+            </a:r>
+          </a:p>
+        </p:txBody>
+      </p:sp>
+      <p:sp>
+        <p:nvSpPr>
+          <p:cNvPr id="6" name="Espace réservé du contenu 5">
+            <a:extLst>
+              <a:ext uri="{FF2B5EF4-FFF2-40B4-BE49-F238E27FC236}">
+                <a16:creationId xmlns:a16="http://schemas.microsoft.com/office/drawing/2014/main" id="{ED411319-4304-4731-9915-BA31EBBE4FA6}"/>
+              </a:ext>
+            </a:extLst>
+          </p:cNvPr>
+          <p:cNvSpPr>
+            <a:spLocks noGrp="1"/>
+          </p:cNvSpPr>
+          <p:nvPr>
+            <p:ph sz="quarter" idx="4"/>
+          </p:nvPr>
+        </p:nvSpPr>
+        <p:spPr/>
+        <p:txBody>
+          <a:bodyPr/>
+          <a:lstStyle/>
+          <a:p>
+            <a:endParaRPr lang="fr-FR"/>
+          </a:p>
+        </p:txBody>
+      </p:sp>
+    </p:spTree>
+    <p:extLst>
+      <p:ext uri="{BB962C8B-B14F-4D97-AF65-F5344CB8AC3E}">
+        <p14:creationId xmlns:p14="http://schemas.microsoft.com/office/powerpoint/2010/main" val="909353728"/>
+      </p:ext>
+    </p:extLst>
+  </p:cSld>
+  <p:clrMapOvr>
+    <a:masterClrMapping/>
+  </p:clrMapOvr>
+</p:sld>
+</file>
+
+<file path=ppt/slides/slide3.xml><?xml version="1.0" encoding="utf-8"?>
 <p:sld xmlns:a="http://schemas.openxmlformats.org/drawingml/2006/main" xmlns:r="http://schemas.openxmlformats.org/officeDocument/2006/relationships" xmlns:p="http://schemas.openxmlformats.org/presentationml/2006/main">
   <p:cSld>
     <p:spTree>
@@ -7910,170 +8149,6 @@
 </p:sld>
 </file>
 
-<file path=ppt/slides/slide3.xml><?xml version="1.0" encoding="utf-8"?>
-<p:sld xmlns:a="http://schemas.openxmlformats.org/drawingml/2006/main" xmlns:r="http://schemas.openxmlformats.org/officeDocument/2006/relationships" xmlns:p="http://schemas.openxmlformats.org/presentationml/2006/main">
-  <p:cSld>
-    <p:spTree>
-      <p:nvGrpSpPr>
-        <p:cNvPr id="1" name=""/>
-        <p:cNvGrpSpPr/>
-        <p:nvPr/>
-      </p:nvGrpSpPr>
-      <p:grpSpPr>
-        <a:xfrm>
-          <a:off x="0" y="0"/>
-          <a:ext cx="0" cy="0"/>
-          <a:chOff x="0" y="0"/>
-          <a:chExt cx="0" cy="0"/>
-        </a:xfrm>
-      </p:grpSpPr>
-      <p:sp>
-        <p:nvSpPr>
-          <p:cNvPr id="2" name="Titre 1">
-            <a:extLst>
-              <a:ext uri="{FF2B5EF4-FFF2-40B4-BE49-F238E27FC236}">
-                <a16:creationId xmlns:a16="http://schemas.microsoft.com/office/drawing/2014/main" id="{D8042DD7-F0CD-4592-ABCF-111D9C7802A8}"/>
-              </a:ext>
-            </a:extLst>
-          </p:cNvPr>
-          <p:cNvSpPr>
-            <a:spLocks noGrp="1"/>
-          </p:cNvSpPr>
-          <p:nvPr>
-            <p:ph type="title"/>
-          </p:nvPr>
-        </p:nvSpPr>
-        <p:spPr/>
-        <p:txBody>
-          <a:bodyPr/>
-          <a:lstStyle/>
-          <a:p>
-            <a:r>
-              <a:rPr lang="fr-FR" dirty="0"/>
-              <a:t>aaaa</a:t>
-            </a:r>
-          </a:p>
-        </p:txBody>
-      </p:sp>
-      <p:sp>
-        <p:nvSpPr>
-          <p:cNvPr id="3" name="Espace réservé du texte 2">
-            <a:extLst>
-              <a:ext uri="{FF2B5EF4-FFF2-40B4-BE49-F238E27FC236}">
-                <a16:creationId xmlns:a16="http://schemas.microsoft.com/office/drawing/2014/main" id="{2C7A2766-A3F2-4111-B1AB-552F2705A2E4}"/>
-              </a:ext>
-            </a:extLst>
-          </p:cNvPr>
-          <p:cNvSpPr>
-            <a:spLocks noGrp="1"/>
-          </p:cNvSpPr>
-          <p:nvPr>
-            <p:ph type="body" idx="1"/>
-          </p:nvPr>
-        </p:nvSpPr>
-        <p:spPr/>
-        <p:txBody>
-          <a:bodyPr/>
-          <a:lstStyle/>
-          <a:p>
-            <a:r>
-              <a:rPr lang="fr-FR" dirty="0"/>
-              <a:t>aaa</a:t>
-            </a:r>
-          </a:p>
-        </p:txBody>
-      </p:sp>
-      <p:sp>
-        <p:nvSpPr>
-          <p:cNvPr id="4" name="Espace réservé du contenu 3">
-            <a:extLst>
-              <a:ext uri="{FF2B5EF4-FFF2-40B4-BE49-F238E27FC236}">
-                <a16:creationId xmlns:a16="http://schemas.microsoft.com/office/drawing/2014/main" id="{48B93216-3DD3-4075-8F21-7E60E7CCBFED}"/>
-              </a:ext>
-            </a:extLst>
-          </p:cNvPr>
-          <p:cNvSpPr>
-            <a:spLocks noGrp="1"/>
-          </p:cNvSpPr>
-          <p:nvPr>
-            <p:ph sz="half" idx="2"/>
-          </p:nvPr>
-        </p:nvSpPr>
-        <p:spPr/>
-        <p:txBody>
-          <a:bodyPr/>
-          <a:lstStyle/>
-          <a:p>
-            <a:endParaRPr lang="fr-FR" dirty="0"/>
-          </a:p>
-        </p:txBody>
-      </p:sp>
-      <p:sp>
-        <p:nvSpPr>
-          <p:cNvPr id="5" name="Espace réservé du texte 4">
-            <a:extLst>
-              <a:ext uri="{FF2B5EF4-FFF2-40B4-BE49-F238E27FC236}">
-                <a16:creationId xmlns:a16="http://schemas.microsoft.com/office/drawing/2014/main" id="{441D01CE-9B32-4CA1-9761-3C05556B172D}"/>
-              </a:ext>
-            </a:extLst>
-          </p:cNvPr>
-          <p:cNvSpPr>
-            <a:spLocks noGrp="1"/>
-          </p:cNvSpPr>
-          <p:nvPr>
-            <p:ph type="body" sz="quarter" idx="3"/>
-          </p:nvPr>
-        </p:nvSpPr>
-        <p:spPr/>
-        <p:txBody>
-          <a:bodyPr/>
-          <a:lstStyle/>
-          <a:p>
-            <a:r>
-              <a:rPr lang="fr-FR" dirty="0"/>
-              <a:t>aaa</a:t>
-            </a:r>
-          </a:p>
-        </p:txBody>
-      </p:sp>
-      <p:sp>
-        <p:nvSpPr>
-          <p:cNvPr id="6" name="Espace réservé du contenu 5">
-            <a:extLst>
-              <a:ext uri="{FF2B5EF4-FFF2-40B4-BE49-F238E27FC236}">
-                <a16:creationId xmlns:a16="http://schemas.microsoft.com/office/drawing/2014/main" id="{ED411319-4304-4731-9915-BA31EBBE4FA6}"/>
-              </a:ext>
-            </a:extLst>
-          </p:cNvPr>
-          <p:cNvSpPr>
-            <a:spLocks noGrp="1"/>
-          </p:cNvSpPr>
-          <p:nvPr>
-            <p:ph sz="quarter" idx="4"/>
-          </p:nvPr>
-        </p:nvSpPr>
-        <p:spPr/>
-        <p:txBody>
-          <a:bodyPr/>
-          <a:lstStyle/>
-          <a:p>
-            <a:endParaRPr lang="fr-FR" dirty="0"/>
-          </a:p>
-        </p:txBody>
-      </p:sp>
-    </p:spTree>
-    <p:extLst>
-      <p:ext uri="{BB962C8B-B14F-4D97-AF65-F5344CB8AC3E}">
-        <p14:creationId xmlns:p14="http://schemas.microsoft.com/office/powerpoint/2010/main" val="909353728"/>
-      </p:ext>
-    </p:extLst>
-  </p:cSld>
-  <p:clrMapOvr>
-    <a:masterClrMapping/>
-  </p:clrMapOvr>
-</p:sld>
-</file>
-
 <file path=ppt/slides/slide4.xml><?xml version="1.0" encoding="utf-8"?>
 <p:sld xmlns:a="http://schemas.openxmlformats.org/drawingml/2006/main" xmlns:r="http://schemas.openxmlformats.org/officeDocument/2006/relationships" xmlns:p="http://schemas.openxmlformats.org/presentationml/2006/main">
   <p:cSld>
@@ -8326,12 +8401,12 @@
                         </a:spcAft>
                       </a:pPr>
                       <a:r>
-                        <a:rPr lang="en-US" sz="1100" dirty="0">
+                        <a:rPr lang="en-US" sz="1100">
                           <a:effectLst/>
                         </a:rPr>
                         <a:t>Rank</a:t>
                       </a:r>
-                      <a:endParaRPr lang="fr-FR" sz="1100" dirty="0">
+                      <a:endParaRPr lang="fr-FR" sz="1100">
                         <a:effectLst/>
                         <a:latin typeface="Calibri" panose="020F0502020204030204" pitchFamily="34" charset="0"/>
                         <a:ea typeface="Calibri" panose="020F0502020204030204" pitchFamily="34" charset="0"/>
@@ -8355,12 +8430,12 @@
                         </a:spcAft>
                       </a:pPr>
                       <a:r>
-                        <a:rPr lang="en-US" sz="1100" dirty="0">
+                        <a:rPr lang="en-US" sz="1100">
                           <a:effectLst/>
                         </a:rPr>
                         <a:t>First Name</a:t>
                       </a:r>
-                      <a:endParaRPr lang="fr-FR" sz="1100" dirty="0">
+                      <a:endParaRPr lang="fr-FR" sz="1100">
                         <a:effectLst/>
                         <a:latin typeface="Calibri" panose="020F0502020204030204" pitchFamily="34" charset="0"/>
                         <a:ea typeface="Calibri" panose="020F0502020204030204" pitchFamily="34" charset="0"/>
@@ -8384,12 +8459,12 @@
                         </a:spcAft>
                       </a:pPr>
                       <a:r>
-                        <a:rPr lang="en-US" sz="1100" dirty="0">
+                        <a:rPr lang="en-US" sz="1100">
                           <a:effectLst/>
                         </a:rPr>
                         <a:t>Name</a:t>
                       </a:r>
-                      <a:endParaRPr lang="fr-FR" sz="1100" dirty="0">
+                      <a:endParaRPr lang="fr-FR" sz="1100">
                         <a:effectLst/>
                         <a:latin typeface="Calibri" panose="020F0502020204030204" pitchFamily="34" charset="0"/>
                         <a:ea typeface="Calibri" panose="020F0502020204030204" pitchFamily="34" charset="0"/>
@@ -8413,12 +8488,12 @@
                         </a:spcAft>
                       </a:pPr>
                       <a:r>
-                        <a:rPr lang="en-US" sz="1100" dirty="0">
+                        <a:rPr lang="en-US" sz="1100">
                           <a:effectLst/>
                         </a:rPr>
                         <a:t>Membership number</a:t>
                       </a:r>
-                      <a:endParaRPr lang="fr-FR" sz="1100" dirty="0">
+                      <a:endParaRPr lang="fr-FR" sz="1100">
                         <a:effectLst/>
                         <a:latin typeface="Calibri" panose="020F0502020204030204" pitchFamily="34" charset="0"/>
                         <a:ea typeface="Calibri" panose="020F0502020204030204" pitchFamily="34" charset="0"/>
@@ -8449,12 +8524,12 @@
                         </a:spcAft>
                       </a:pPr>
                       <a:r>
-                        <a:rPr lang="en-US" sz="1100" dirty="0">
+                        <a:rPr lang="en-US" sz="1100">
                           <a:effectLst/>
                         </a:rPr>
                         <a:t>[a.rank;block=tbs:row]</a:t>
                       </a:r>
-                      <a:endParaRPr lang="fr-FR" sz="1100" dirty="0">
+                      <a:endParaRPr lang="fr-FR" sz="1100">
                         <a:effectLst/>
                         <a:latin typeface="Calibri" panose="020F0502020204030204" pitchFamily="34" charset="0"/>
                         <a:ea typeface="Calibri" panose="020F0502020204030204" pitchFamily="34" charset="0"/>
@@ -8478,12 +8553,12 @@
                         </a:spcAft>
                       </a:pPr>
                       <a:r>
-                        <a:rPr lang="en-US" sz="1100" dirty="0">
+                        <a:rPr lang="en-US" sz="1100">
                           <a:effectLst/>
                         </a:rPr>
                         <a:t>[a.firstname]</a:t>
                       </a:r>
-                      <a:endParaRPr lang="fr-FR" sz="1100" dirty="0">
+                      <a:endParaRPr lang="fr-FR" sz="1100">
                         <a:effectLst/>
                         <a:latin typeface="Calibri" panose="020F0502020204030204" pitchFamily="34" charset="0"/>
                         <a:ea typeface="Calibri" panose="020F0502020204030204" pitchFamily="34" charset="0"/>
@@ -8507,12 +8582,12 @@
                         </a:spcAft>
                       </a:pPr>
                       <a:r>
-                        <a:rPr lang="en-US" sz="1100" dirty="0">
+                        <a:rPr lang="en-US" sz="1100">
                           <a:effectLst/>
                         </a:rPr>
                         <a:t>[a.name]</a:t>
                       </a:r>
-                      <a:endParaRPr lang="fr-FR" sz="1100" dirty="0">
+                      <a:endParaRPr lang="fr-FR" sz="1100">
                         <a:effectLst/>
                         <a:latin typeface="Calibri" panose="020F0502020204030204" pitchFamily="34" charset="0"/>
                         <a:ea typeface="Calibri" panose="020F0502020204030204" pitchFamily="34" charset="0"/>
@@ -8536,12 +8611,12 @@
                         </a:spcAft>
                       </a:pPr>
                       <a:r>
-                        <a:rPr lang="en-US" sz="1100" dirty="0">
+                        <a:rPr lang="en-US" sz="1100">
                           <a:effectLst/>
                         </a:rPr>
                         <a:t>[a.number]</a:t>
                       </a:r>
-                      <a:endParaRPr lang="fr-FR" sz="1100" dirty="0">
+                      <a:endParaRPr lang="fr-FR" sz="1100">
                         <a:effectLst/>
                         <a:latin typeface="Calibri" panose="020F0502020204030204" pitchFamily="34" charset="0"/>
                         <a:ea typeface="Calibri" panose="020F0502020204030204" pitchFamily="34" charset="0"/>
